--- a/Documents/Презентация Электронный дневник Политеха.pptx
+++ b/Documents/Презентация Электронный дневник Политеха.pptx
@@ -16,8 +16,8 @@
     <p:sldId id="259" r:id="rId7"/>
     <p:sldId id="260" r:id="rId8"/>
     <p:sldId id="261" r:id="rId9"/>
-    <p:sldId id="262" r:id="rId10"/>
-    <p:sldId id="263" r:id="rId11"/>
+    <p:sldId id="272" r:id="rId10"/>
+    <p:sldId id="262" r:id="rId11"/>
     <p:sldId id="264" r:id="rId12"/>
     <p:sldId id="265" r:id="rId13"/>
     <p:sldId id="266" r:id="rId14"/>
@@ -5405,50 +5405,6 @@
           </a:prstGeom>
         </p:spPr>
       </p:pic>
-      <p:sp>
-        <p:nvSpPr>
-          <p:cNvPr id="14" name="TextBox 13">
-            <a:extLst>
-              <a:ext uri="{FF2B5EF4-FFF2-40B4-BE49-F238E27FC236}">
-                <a16:creationId xmlns:a16="http://schemas.microsoft.com/office/drawing/2014/main" id="{447EDE57-2209-4DB6-A500-039661046BB8}"/>
-              </a:ext>
-            </a:extLst>
-          </p:cNvPr>
-          <p:cNvSpPr txBox="1"/>
-          <p:nvPr/>
-        </p:nvSpPr>
-        <p:spPr>
-          <a:xfrm rot="19819076">
-            <a:off x="7443498" y="5206553"/>
-            <a:ext cx="3737292" cy="461665"/>
-          </a:xfrm>
-          <a:prstGeom prst="rect">
-            <a:avLst/>
-          </a:prstGeom>
-          <a:noFill/>
-        </p:spPr>
-        <p:txBody>
-          <a:bodyPr wrap="square">
-            <a:spAutoFit/>
-          </a:bodyPr>
-          <a:lstStyle/>
-          <a:p>
-            <a:r>
-              <a:rPr lang="en-US" dirty="0" err="1">
-                <a:hlinkClick r:id="rId3"/>
-              </a:rPr>
-              <a:t>Kaz</a:t>
-            </a:r>
-            <a:r>
-              <a:rPr lang="en-US" dirty="0">
-                <a:hlinkClick r:id="rId3"/>
-              </a:rPr>
-              <a:t>-Ed/PM-04 (github.com)</a:t>
-            </a:r>
-            <a:endParaRPr lang="ru-RU" dirty="0"/>
-          </a:p>
-        </p:txBody>
-      </p:sp>
       <p:pic>
         <p:nvPicPr>
           <p:cNvPr id="3074" name="Picture 2">
@@ -5464,7 +5420,7 @@
           <p:nvPr/>
         </p:nvPicPr>
         <p:blipFill>
-          <a:blip r:embed="rId4">
+          <a:blip r:embed="rId3">
             <a:extLst>
               <a:ext uri="{28A0092B-C50C-407E-A947-70E740481C1C}">
                 <a14:useLocalDpi xmlns:a14="http://schemas.microsoft.com/office/drawing/2010/main" val="0"/>
@@ -5538,47 +5494,6 @@
           <a:chExt cx="0" cy="0"/>
         </a:xfrm>
       </p:grpSpPr>
-      <p:pic>
-        <p:nvPicPr>
-          <p:cNvPr id="3" name="Рисунок 2">
-            <a:extLst>
-              <a:ext uri="{FF2B5EF4-FFF2-40B4-BE49-F238E27FC236}">
-                <a16:creationId xmlns:a16="http://schemas.microsoft.com/office/drawing/2014/main" id="{D4F69C53-6988-4EDE-82AC-B1B0779527DA}"/>
-              </a:ext>
-            </a:extLst>
-          </p:cNvPr>
-          <p:cNvPicPr>
-            <a:picLocks noChangeAspect="1"/>
-          </p:cNvPicPr>
-          <p:nvPr/>
-        </p:nvPicPr>
-        <p:blipFill>
-          <a:blip r:embed="rId2">
-            <a:extLst>
-              <a:ext uri="{28A0092B-C50C-407E-A947-70E740481C1C}">
-                <a14:useLocalDpi xmlns:a14="http://schemas.microsoft.com/office/drawing/2010/main" val="0"/>
-              </a:ext>
-            </a:extLst>
-          </a:blip>
-          <a:srcRect/>
-          <a:stretch>
-            <a:fillRect/>
-          </a:stretch>
-        </p:blipFill>
-        <p:spPr bwMode="auto">
-          <a:xfrm>
-            <a:off x="3740182" y="1447762"/>
-            <a:ext cx="4708459" cy="4791862"/>
-          </a:xfrm>
-          <a:prstGeom prst="rect">
-            <a:avLst/>
-          </a:prstGeom>
-          <a:noFill/>
-          <a:ln>
-            <a:noFill/>
-          </a:ln>
-        </p:spPr>
-      </p:pic>
       <p:sp>
         <p:nvSpPr>
           <p:cNvPr id="4" name="Заголовок 1">
@@ -5677,6 +5592,53 @@
           </a:p>
         </p:txBody>
       </p:sp>
+      <p:pic>
+        <p:nvPicPr>
+          <p:cNvPr id="6" name="Рисунок 5">
+            <a:extLst>
+              <a:ext uri="{FF2B5EF4-FFF2-40B4-BE49-F238E27FC236}">
+                <a16:creationId xmlns:a16="http://schemas.microsoft.com/office/drawing/2014/main" id="{3CCB9EFC-B936-4B02-A613-27DD5F1CB3CE}"/>
+              </a:ext>
+            </a:extLst>
+          </p:cNvPr>
+          <p:cNvPicPr>
+            <a:picLocks noChangeAspect="1"/>
+          </p:cNvPicPr>
+          <p:nvPr/>
+        </p:nvPicPr>
+        <p:blipFill>
+          <a:blip r:embed="rId2"/>
+          <a:stretch>
+            <a:fillRect/>
+          </a:stretch>
+        </p:blipFill>
+        <p:spPr>
+          <a:xfrm>
+            <a:off x="3454923" y="2193098"/>
+            <a:ext cx="5278977" cy="2471804"/>
+          </a:xfrm>
+          <a:prstGeom prst="roundRect">
+            <a:avLst>
+              <a:gd name="adj" fmla="val 0"/>
+            </a:avLst>
+          </a:prstGeom>
+          <a:ln/>
+        </p:spPr>
+        <p:style>
+          <a:lnRef idx="2">
+            <a:schemeClr val="dk1"/>
+          </a:lnRef>
+          <a:fillRef idx="1">
+            <a:schemeClr val="lt1"/>
+          </a:fillRef>
+          <a:effectRef idx="0">
+            <a:schemeClr val="dk1"/>
+          </a:effectRef>
+          <a:fontRef idx="minor">
+            <a:schemeClr val="dk1"/>
+          </a:fontRef>
+        </p:style>
+      </p:pic>
     </p:spTree>
     <p:extLst>
       <p:ext uri="{BB962C8B-B14F-4D97-AF65-F5344CB8AC3E}">
@@ -5734,20 +5696,20 @@
           <p:nvPr>
             <p:extLst>
               <p:ext uri="{D42A27DB-BD31-4B8C-83A1-F6EECF244321}">
-                <p14:modId xmlns:p14="http://schemas.microsoft.com/office/powerpoint/2010/main" val="2722046559"/>
+                <p14:modId xmlns:p14="http://schemas.microsoft.com/office/powerpoint/2010/main" val="4060927350"/>
               </p:ext>
             </p:extLst>
           </p:nvPr>
         </p:nvGraphicFramePr>
         <p:xfrm>
-          <a:off x="6439226" y="1681223"/>
+          <a:off x="927392" y="1510995"/>
           <a:ext cx="5355805" cy="1918005"/>
         </p:xfrm>
         <a:graphic>
           <a:graphicData uri="http://schemas.openxmlformats.org/presentationml/2006/ole">
             <mc:AlternateContent xmlns:mc="http://schemas.openxmlformats.org/markup-compatibility/2006">
               <mc:Choice xmlns:v="urn:schemas-microsoft-com:vml" Requires="v">
-                <p:oleObj spid="_x0000_s1054" name="Worksheet" r:id="rId3" imgW="9982055" imgH="2190853" progId="Excel.Sheet.12">
+                <p:oleObj spid="_x0000_s1075" name="Worksheet" r:id="rId3" imgW="9982055" imgH="2190853" progId="Excel.Sheet.12">
                   <p:embed/>
                 </p:oleObj>
               </mc:Choice>
@@ -5777,7 +5739,7 @@
                     </p:blipFill>
                     <p:spPr bwMode="auto">
                       <a:xfrm>
-                        <a:off x="6439226" y="1681223"/>
+                        <a:off x="927392" y="1510995"/>
                         <a:ext cx="5355805" cy="1918005"/>
                       </a:xfrm>
                       <a:prstGeom prst="rect">
@@ -5809,25 +5771,25 @@
           <p:nvPr>
             <p:extLst>
               <p:ext uri="{D42A27DB-BD31-4B8C-83A1-F6EECF244321}">
-                <p14:modId xmlns:p14="http://schemas.microsoft.com/office/powerpoint/2010/main" val="127331858"/>
+                <p14:modId xmlns:p14="http://schemas.microsoft.com/office/powerpoint/2010/main" val="1763831066"/>
               </p:ext>
             </p:extLst>
           </p:nvPr>
         </p:nvGraphicFramePr>
         <p:xfrm>
-          <a:off x="739190" y="3214461"/>
-          <a:ext cx="5349586" cy="1755844"/>
+          <a:off x="6526460" y="3140968"/>
+          <a:ext cx="5348287" cy="1725612"/>
         </p:xfrm>
         <a:graphic>
           <a:graphicData uri="http://schemas.openxmlformats.org/presentationml/2006/ole">
             <mc:AlternateContent xmlns:mc="http://schemas.openxmlformats.org/markup-compatibility/2006">
               <mc:Choice xmlns:v="urn:schemas-microsoft-com:vml" Requires="v">
-                <p:oleObj spid="_x0000_s1055" name="Worksheet" r:id="rId5" imgW="6105485" imgH="2381301" progId="Excel.Sheet.12">
+                <p:oleObj spid="_x0000_s1076" name="Worksheet" r:id="rId5" imgW="6103576" imgH="2339490" progId="Excel.Sheet.12">
                   <p:embed/>
                 </p:oleObj>
               </mc:Choice>
               <mc:Fallback>
-                <p:oleObj name="Worksheet" r:id="rId5" imgW="6105485" imgH="2381301" progId="Excel.Sheet.12">
+                <p:oleObj name="Worksheet" r:id="rId5" imgW="6103576" imgH="2339490" progId="Excel.Sheet.12">
                   <p:embed/>
                   <p:pic>
                     <p:nvPicPr>
@@ -5838,13 +5800,7 @@
                       <p:nvPr/>
                     </p:nvPicPr>
                     <p:blipFill>
-                      <a:blip r:embed="rId6">
-                        <a:extLst>
-                          <a:ext uri="{28A0092B-C50C-407E-A947-70E740481C1C}">
-                            <a14:useLocalDpi xmlns:a14="http://schemas.microsoft.com/office/drawing/2010/main" val="0"/>
-                          </a:ext>
-                        </a:extLst>
-                      </a:blip>
+                      <a:blip r:embed="rId6"/>
                       <a:srcRect/>
                       <a:stretch>
                         <a:fillRect/>
@@ -5852,8 +5808,8 @@
                     </p:blipFill>
                     <p:spPr bwMode="auto">
                       <a:xfrm>
-                        <a:off x="739190" y="3214461"/>
-                        <a:ext cx="5349586" cy="1755844"/>
+                        <a:off x="6526460" y="3140968"/>
+                        <a:ext cx="5348287" cy="1725612"/>
                       </a:xfrm>
                       <a:prstGeom prst="rect">
                         <a:avLst/>
@@ -5884,20 +5840,20 @@
           <p:nvPr>
             <p:extLst>
               <p:ext uri="{D42A27DB-BD31-4B8C-83A1-F6EECF244321}">
-                <p14:modId xmlns:p14="http://schemas.microsoft.com/office/powerpoint/2010/main" val="3810724913"/>
+                <p14:modId xmlns:p14="http://schemas.microsoft.com/office/powerpoint/2010/main" val="1458327769"/>
               </p:ext>
             </p:extLst>
           </p:nvPr>
         </p:nvGraphicFramePr>
         <p:xfrm>
-          <a:off x="6439226" y="4150675"/>
+          <a:off x="954744" y="4422558"/>
           <a:ext cx="5349585" cy="1639259"/>
         </p:xfrm>
         <a:graphic>
           <a:graphicData uri="http://schemas.openxmlformats.org/presentationml/2006/ole">
             <mc:AlternateContent xmlns:mc="http://schemas.openxmlformats.org/markup-compatibility/2006">
               <mc:Choice xmlns:v="urn:schemas-microsoft-com:vml" Requires="v">
-                <p:oleObj spid="_x0000_s1056" name="Worksheet" r:id="rId7" imgW="3666970" imgH="2381301" progId="Excel.Sheet.12">
+                <p:oleObj spid="_x0000_s1077" name="Worksheet" r:id="rId7" imgW="3666970" imgH="2381301" progId="Excel.Sheet.12">
                   <p:embed/>
                 </p:oleObj>
               </mc:Choice>
@@ -5927,7 +5883,7 @@
                     </p:blipFill>
                     <p:spPr bwMode="auto">
                       <a:xfrm>
-                        <a:off x="6439226" y="4150675"/>
+                        <a:off x="954744" y="4422558"/>
                         <a:ext cx="5349585" cy="1639259"/>
                       </a:xfrm>
                       <a:prstGeom prst="rect">
@@ -6508,50 +6464,6 @@
           </a:prstGeom>
         </p:spPr>
       </p:pic>
-      <p:sp>
-        <p:nvSpPr>
-          <p:cNvPr id="14" name="TextBox 13">
-            <a:extLst>
-              <a:ext uri="{FF2B5EF4-FFF2-40B4-BE49-F238E27FC236}">
-                <a16:creationId xmlns:a16="http://schemas.microsoft.com/office/drawing/2014/main" id="{447EDE57-2209-4DB6-A500-039661046BB8}"/>
-              </a:ext>
-            </a:extLst>
-          </p:cNvPr>
-          <p:cNvSpPr txBox="1"/>
-          <p:nvPr/>
-        </p:nvSpPr>
-        <p:spPr>
-          <a:xfrm rot="19819076">
-            <a:off x="7443498" y="5206553"/>
-            <a:ext cx="3737292" cy="461665"/>
-          </a:xfrm>
-          <a:prstGeom prst="rect">
-            <a:avLst/>
-          </a:prstGeom>
-          <a:noFill/>
-        </p:spPr>
-        <p:txBody>
-          <a:bodyPr wrap="square">
-            <a:spAutoFit/>
-          </a:bodyPr>
-          <a:lstStyle/>
-          <a:p>
-            <a:r>
-              <a:rPr lang="en-US" dirty="0" err="1">
-                <a:hlinkClick r:id="rId3"/>
-              </a:rPr>
-              <a:t>Kaz</a:t>
-            </a:r>
-            <a:r>
-              <a:rPr lang="en-US" dirty="0">
-                <a:hlinkClick r:id="rId3"/>
-              </a:rPr>
-              <a:t>-Ed/PM-04 (github.com)</a:t>
-            </a:r>
-            <a:endParaRPr lang="ru-RU" dirty="0"/>
-          </a:p>
-        </p:txBody>
-      </p:sp>
       <p:pic>
         <p:nvPicPr>
           <p:cNvPr id="3074" name="Picture 2">
@@ -6567,7 +6479,7 @@
           <p:nvPr/>
         </p:nvPicPr>
         <p:blipFill>
-          <a:blip r:embed="rId4">
+          <a:blip r:embed="rId3">
             <a:extLst>
               <a:ext uri="{28A0092B-C50C-407E-A947-70E740481C1C}">
                 <a14:useLocalDpi xmlns:a14="http://schemas.microsoft.com/office/drawing/2010/main" val="0"/>
@@ -6649,13 +6561,13 @@
   <p:clrMapOvr>
     <a:masterClrMapping/>
   </p:clrMapOvr>
-  <mc:AlternateContent xmlns:mc="http://schemas.openxmlformats.org/markup-compatibility/2006">
-    <mc:Choice xmlns:p14="http://schemas.microsoft.com/office/powerpoint/2010/main" Requires="p14">
+  <mc:AlternateContent xmlns:mc="http://schemas.openxmlformats.org/markup-compatibility/2006" xmlns:p14="http://schemas.microsoft.com/office/powerpoint/2010/main">
+    <mc:Choice Requires="p14">
       <p:transition spd="med" p14:dur="700">
         <p:fade/>
       </p:transition>
     </mc:Choice>
-    <mc:Fallback>
+    <mc:Fallback xmlns="">
       <p:transition spd="med">
         <p:fade/>
       </p:transition>
@@ -6753,7 +6665,7 @@
                 <a:ea typeface="Calibri" panose="020F0502020204030204" pitchFamily="34" charset="0"/>
                 <a:cs typeface="Times New Roman" panose="02020603050405020304" pitchFamily="18" charset="0"/>
               </a:rPr>
-              <a:t>Будет обеспечена безопасность персональных данных пользователей, стабильность баз данных, а также рабочих данных при хранении и передаче</a:t>
+              <a:t>Будет обеспечена безопасность персональных данных, рабочих данных при хранении и передаче, а также стабильность баз данных</a:t>
             </a:r>
           </a:p>
           <a:p>
@@ -6801,7 +6713,7 @@
                 <a:ea typeface="Calibri" panose="020F0502020204030204" pitchFamily="34" charset="0"/>
                 <a:cs typeface="Times New Roman" panose="02020603050405020304" pitchFamily="18" charset="0"/>
               </a:rPr>
-              <a:t>Преподаватель сможет выставлять оценки с возможностью их дальнейшего исправления (в течение 7 дней). </a:t>
+              <a:t>Преподаватель сможет выставлять оценки с возможностью их дальнейшего исправления. </a:t>
             </a:r>
           </a:p>
           <a:p>
@@ -6817,7 +6729,7 @@
                 <a:ea typeface="Calibri" panose="020F0502020204030204" pitchFamily="34" charset="0"/>
                 <a:cs typeface="Times New Roman" panose="02020603050405020304" pitchFamily="18" charset="0"/>
               </a:rPr>
-              <a:t>Студент может просмотреть оценки.</a:t>
+              <a:t>Студент сможет просмотреть оценки.</a:t>
             </a:r>
           </a:p>
           <a:p>
@@ -7546,7 +7458,7 @@
                 <a:ea typeface="Calibri" panose="020F0502020204030204" pitchFamily="34" charset="0"/>
                 <a:cs typeface="Times New Roman" panose="02020603050405020304" pitchFamily="18" charset="0"/>
               </a:rPr>
-              <a:t>«Прототипирование + Каскадная модель»</a:t>
+              <a:t>«Каскадная модель + Прототипирование»</a:t>
             </a:r>
             <a:endParaRPr lang="en-US" sz="2400" b="1" dirty="0">
               <a:effectLst/>
@@ -8966,7 +8878,7 @@
                 <a:tabLst/>
               </a:pPr>
               <a:r>
-                <a:rPr kumimoji="0" lang="ru-RU" altLang="ru-RU" sz="1300" b="0" i="0" u="none" strike="noStrike" cap="none" normalizeH="0" baseline="0">
+                <a:rPr kumimoji="0" lang="ru-RU" altLang="ru-RU" sz="1300" b="0" i="0" u="none" strike="noStrike" cap="none" normalizeH="0" baseline="0" dirty="0">
                   <a:ln>
                     <a:noFill/>
                   </a:ln>
@@ -8979,7 +8891,7 @@
                 </a:rPr>
                 <a:t>Планирование</a:t>
               </a:r>
-              <a:endParaRPr kumimoji="0" lang="ru-RU" altLang="ru-RU" sz="1800" b="0" i="0" u="none" strike="noStrike" cap="none" normalizeH="0" baseline="0">
+              <a:endParaRPr kumimoji="0" lang="ru-RU" altLang="ru-RU" sz="1800" b="0" i="0" u="none" strike="noStrike" cap="none" normalizeH="0" baseline="0" dirty="0">
                 <a:ln>
                   <a:noFill/>
                 </a:ln>
@@ -11028,8 +10940,8 @@
           </p:nvSpPr>
           <p:spPr bwMode="auto">
             <a:xfrm>
-              <a:off x="6163" y="3471"/>
-              <a:ext cx="668" cy="126"/>
+              <a:off x="6143" y="3503"/>
+              <a:ext cx="723" cy="126"/>
             </a:xfrm>
             <a:prstGeom prst="rect">
               <a:avLst/>
@@ -11059,7 +10971,7 @@
             </a:extLst>
           </p:spPr>
           <p:txBody>
-            <a:bodyPr vert="horz" wrap="none" lIns="0" tIns="0" rIns="0" bIns="0" numCol="1" anchor="t" anchorCtr="0" compatLnSpc="1">
+            <a:bodyPr vert="horz" wrap="square" lIns="0" tIns="0" rIns="0" bIns="0" numCol="1" anchor="t" anchorCtr="0" compatLnSpc="1">
               <a:prstTxWarp prst="textNoShape">
                 <a:avLst/>
               </a:prstTxWarp>
@@ -11211,7 +11123,7 @@
                 <a:tabLst/>
               </a:pPr>
               <a:r>
-                <a:rPr kumimoji="0" lang="ru-RU" altLang="ru-RU" sz="1300" b="0" i="0" u="none" strike="noStrike" cap="none" normalizeH="0" baseline="0">
+                <a:rPr kumimoji="0" lang="ru-RU" altLang="ru-RU" sz="1300" b="0" i="0" u="none" strike="noStrike" cap="none" normalizeH="0" baseline="0" dirty="0">
                   <a:ln>
                     <a:noFill/>
                   </a:ln>
@@ -11224,233 +11136,17 @@
                 </a:rPr>
                 <a:t>Сопровождени</a:t>
               </a:r>
-              <a:endParaRPr kumimoji="0" lang="ru-RU" altLang="ru-RU" sz="1800" b="0" i="0" u="none" strike="noStrike" cap="none" normalizeH="0" baseline="0">
-                <a:ln>
-                  <a:noFill/>
-                </a:ln>
-                <a:solidFill>
-                  <a:schemeClr val="tx1"/>
-                </a:solidFill>
-                <a:effectLst/>
-                <a:latin typeface="Times New Roman" panose="02020603050405020304" pitchFamily="18" charset="0"/>
-                <a:cs typeface="Times New Roman" panose="02020603050405020304" pitchFamily="18" charset="0"/>
-              </a:endParaRPr>
-            </a:p>
-          </p:txBody>
-        </p:sp>
-        <p:sp>
-          <p:nvSpPr>
-            <p:cNvPr id="41" name="Rectangle 39">
-              <a:extLst>
-                <a:ext uri="{FF2B5EF4-FFF2-40B4-BE49-F238E27FC236}">
-                  <a16:creationId xmlns:a16="http://schemas.microsoft.com/office/drawing/2014/main" id="{5BEDB0A1-57E3-4209-8B9B-F7392B238B54}"/>
-                </a:ext>
-              </a:extLst>
-            </p:cNvPr>
-            <p:cNvSpPr>
-              <a:spLocks noChangeArrowheads="1"/>
-            </p:cNvSpPr>
-            <p:nvPr/>
-          </p:nvSpPr>
-          <p:spPr bwMode="auto">
-            <a:xfrm>
-              <a:off x="6465" y="3593"/>
-              <a:ext cx="46" cy="126"/>
-            </a:xfrm>
-            <a:prstGeom prst="rect">
-              <a:avLst/>
-            </a:prstGeom>
-            <a:noFill/>
-            <a:ln>
-              <a:noFill/>
-            </a:ln>
-            <a:extLst>
-              <a:ext uri="{909E8E84-426E-40DD-AFC4-6F175D3DCCD1}">
-                <a14:hiddenFill xmlns:a14="http://schemas.microsoft.com/office/drawing/2010/main">
-                  <a:solidFill>
-                    <a:srgbClr val="FFFFFF"/>
-                  </a:solidFill>
-                </a14:hiddenFill>
-              </a:ext>
-              <a:ext uri="{91240B29-F687-4F45-9708-019B960494DF}">
-                <a14:hiddenLine xmlns:a14="http://schemas.microsoft.com/office/drawing/2010/main" w="9525">
+              <a:r>
+                <a:rPr lang="ru-RU" altLang="ru-RU" sz="1300" dirty="0">
                   <a:solidFill>
                     <a:srgbClr val="000000"/>
                   </a:solidFill>
-                  <a:miter lim="800000"/>
-                  <a:headEnd/>
-                  <a:tailEnd/>
-                </a14:hiddenLine>
-              </a:ext>
-            </a:extLst>
-          </p:spPr>
-          <p:txBody>
-            <a:bodyPr vert="horz" wrap="none" lIns="0" tIns="0" rIns="0" bIns="0" numCol="1" anchor="t" anchorCtr="0" compatLnSpc="1">
-              <a:prstTxWarp prst="textNoShape">
-                <a:avLst/>
-              </a:prstTxWarp>
-              <a:spAutoFit/>
-            </a:bodyPr>
-            <a:lstStyle>
-              <a:lvl1pPr eaLnBrk="0" fontAlgn="base" hangingPunct="0">
-                <a:spcBef>
-                  <a:spcPct val="0"/>
-                </a:spcBef>
-                <a:spcAft>
-                  <a:spcPct val="0"/>
-                </a:spcAft>
-                <a:defRPr>
-                  <a:solidFill>
-                    <a:schemeClr val="tx1"/>
-                  </a:solidFill>
-                  <a:latin typeface="Arial" panose="020B0604020202020204" pitchFamily="34" charset="0"/>
-                </a:defRPr>
-              </a:lvl1pPr>
-              <a:lvl2pPr eaLnBrk="0" fontAlgn="base" hangingPunct="0">
-                <a:spcBef>
-                  <a:spcPct val="0"/>
-                </a:spcBef>
-                <a:spcAft>
-                  <a:spcPct val="0"/>
-                </a:spcAft>
-                <a:defRPr>
-                  <a:solidFill>
-                    <a:schemeClr val="tx1"/>
-                  </a:solidFill>
-                  <a:latin typeface="Arial" panose="020B0604020202020204" pitchFamily="34" charset="0"/>
-                </a:defRPr>
-              </a:lvl2pPr>
-              <a:lvl3pPr eaLnBrk="0" fontAlgn="base" hangingPunct="0">
-                <a:spcBef>
-                  <a:spcPct val="0"/>
-                </a:spcBef>
-                <a:spcAft>
-                  <a:spcPct val="0"/>
-                </a:spcAft>
-                <a:defRPr>
-                  <a:solidFill>
-                    <a:schemeClr val="tx1"/>
-                  </a:solidFill>
-                  <a:latin typeface="Arial" panose="020B0604020202020204" pitchFamily="34" charset="0"/>
-                </a:defRPr>
-              </a:lvl3pPr>
-              <a:lvl4pPr eaLnBrk="0" fontAlgn="base" hangingPunct="0">
-                <a:spcBef>
-                  <a:spcPct val="0"/>
-                </a:spcBef>
-                <a:spcAft>
-                  <a:spcPct val="0"/>
-                </a:spcAft>
-                <a:defRPr>
-                  <a:solidFill>
-                    <a:schemeClr val="tx1"/>
-                  </a:solidFill>
-                  <a:latin typeface="Arial" panose="020B0604020202020204" pitchFamily="34" charset="0"/>
-                </a:defRPr>
-              </a:lvl4pPr>
-              <a:lvl5pPr eaLnBrk="0" fontAlgn="base" hangingPunct="0">
-                <a:spcBef>
-                  <a:spcPct val="0"/>
-                </a:spcBef>
-                <a:spcAft>
-                  <a:spcPct val="0"/>
-                </a:spcAft>
-                <a:defRPr>
-                  <a:solidFill>
-                    <a:schemeClr val="tx1"/>
-                  </a:solidFill>
-                  <a:latin typeface="Arial" panose="020B0604020202020204" pitchFamily="34" charset="0"/>
-                </a:defRPr>
-              </a:lvl5pPr>
-              <a:lvl6pPr eaLnBrk="0" fontAlgn="base" hangingPunct="0">
-                <a:spcBef>
-                  <a:spcPct val="0"/>
-                </a:spcBef>
-                <a:spcAft>
-                  <a:spcPct val="0"/>
-                </a:spcAft>
-                <a:defRPr>
-                  <a:solidFill>
-                    <a:schemeClr val="tx1"/>
-                  </a:solidFill>
-                  <a:latin typeface="Arial" panose="020B0604020202020204" pitchFamily="34" charset="0"/>
-                </a:defRPr>
-              </a:lvl6pPr>
-              <a:lvl7pPr eaLnBrk="0" fontAlgn="base" hangingPunct="0">
-                <a:spcBef>
-                  <a:spcPct val="0"/>
-                </a:spcBef>
-                <a:spcAft>
-                  <a:spcPct val="0"/>
-                </a:spcAft>
-                <a:defRPr>
-                  <a:solidFill>
-                    <a:schemeClr val="tx1"/>
-                  </a:solidFill>
-                  <a:latin typeface="Arial" panose="020B0604020202020204" pitchFamily="34" charset="0"/>
-                </a:defRPr>
-              </a:lvl7pPr>
-              <a:lvl8pPr eaLnBrk="0" fontAlgn="base" hangingPunct="0">
-                <a:spcBef>
-                  <a:spcPct val="0"/>
-                </a:spcBef>
-                <a:spcAft>
-                  <a:spcPct val="0"/>
-                </a:spcAft>
-                <a:defRPr>
-                  <a:solidFill>
-                    <a:schemeClr val="tx1"/>
-                  </a:solidFill>
-                  <a:latin typeface="Arial" panose="020B0604020202020204" pitchFamily="34" charset="0"/>
-                </a:defRPr>
-              </a:lvl8pPr>
-              <a:lvl9pPr eaLnBrk="0" fontAlgn="base" hangingPunct="0">
-                <a:spcBef>
-                  <a:spcPct val="0"/>
-                </a:spcBef>
-                <a:spcAft>
-                  <a:spcPct val="0"/>
-                </a:spcAft>
-                <a:defRPr>
-                  <a:solidFill>
-                    <a:schemeClr val="tx1"/>
-                  </a:solidFill>
-                  <a:latin typeface="Arial" panose="020B0604020202020204" pitchFamily="34" charset="0"/>
-                </a:defRPr>
-              </a:lvl9pPr>
-            </a:lstStyle>
-            <a:p>
-              <a:pPr marL="0" marR="0" lvl="0" indent="0" algn="l" defTabSz="914400" rtl="0" eaLnBrk="0" fontAlgn="base" latinLnBrk="0" hangingPunct="0">
-                <a:lnSpc>
-                  <a:spcPct val="100000"/>
-                </a:lnSpc>
-                <a:spcBef>
-                  <a:spcPct val="0"/>
-                </a:spcBef>
-                <a:spcAft>
-                  <a:spcPct val="0"/>
-                </a:spcAft>
-                <a:buClrTx/>
-                <a:buSzTx/>
-                <a:buFontTx/>
-                <a:buNone/>
-                <a:tabLst/>
-              </a:pPr>
-              <a:r>
-                <a:rPr kumimoji="0" lang="ru-RU" altLang="ru-RU" sz="1300" b="0" i="0" u="none" strike="noStrike" cap="none" normalizeH="0" baseline="0">
-                  <a:ln>
-                    <a:noFill/>
-                  </a:ln>
-                  <a:solidFill>
-                    <a:srgbClr val="000000"/>
-                  </a:solidFill>
-                  <a:effectLst/>
                   <a:latin typeface="Times New Roman" panose="02020603050405020304" pitchFamily="18" charset="0"/>
                   <a:cs typeface="Times New Roman" panose="02020603050405020304" pitchFamily="18" charset="0"/>
                 </a:rPr>
                 <a:t>е</a:t>
               </a:r>
-              <a:endParaRPr kumimoji="0" lang="ru-RU" altLang="ru-RU" sz="1800" b="0" i="0" u="none" strike="noStrike" cap="none" normalizeH="0" baseline="0">
+              <a:endParaRPr kumimoji="0" lang="ru-RU" altLang="ru-RU" sz="1800" b="0" i="0" u="none" strike="noStrike" cap="none" normalizeH="0" baseline="0" dirty="0">
                 <a:ln>
                   <a:noFill/>
                 </a:ln>
@@ -12989,7 +12685,7 @@
         </p:nvSpPr>
         <p:spPr>
           <a:xfrm>
-            <a:off x="7030516" y="764704"/>
+            <a:off x="837828" y="285376"/>
             <a:ext cx="4499235" cy="1080120"/>
           </a:xfrm>
           <a:prstGeom prst="rect">
@@ -13034,7 +12730,7 @@
                 <a:latin typeface="Times New Roman" panose="02020603050405020304" pitchFamily="18" charset="0"/>
                 <a:cs typeface="Times New Roman" panose="02020603050405020304" pitchFamily="18" charset="0"/>
               </a:rPr>
-              <a:t>Graphical User Interface </a:t>
+              <a:t>GUI </a:t>
             </a:r>
             <a:endParaRPr lang="ru-RU" b="1" dirty="0">
               <a:effectLst/>
@@ -13044,36 +12740,6 @@
           </a:p>
         </p:txBody>
       </p:sp>
-      <p:pic>
-        <p:nvPicPr>
-          <p:cNvPr id="8" name="Рисунок 7">
-            <a:extLst>
-              <a:ext uri="{FF2B5EF4-FFF2-40B4-BE49-F238E27FC236}">
-                <a16:creationId xmlns:a16="http://schemas.microsoft.com/office/drawing/2014/main" id="{D96F75A1-29C8-45FE-A90D-64F88A64F6D0}"/>
-              </a:ext>
-            </a:extLst>
-          </p:cNvPr>
-          <p:cNvPicPr>
-            <a:picLocks noChangeAspect="1"/>
-          </p:cNvPicPr>
-          <p:nvPr/>
-        </p:nvPicPr>
-        <p:blipFill>
-          <a:blip r:embed="rId2"/>
-          <a:stretch>
-            <a:fillRect/>
-          </a:stretch>
-        </p:blipFill>
-        <p:spPr>
-          <a:xfrm>
-            <a:off x="1408357" y="-5288"/>
-            <a:ext cx="9798623" cy="6863288"/>
-          </a:xfrm>
-          <a:prstGeom prst="rect">
-            <a:avLst/>
-          </a:prstGeom>
-        </p:spPr>
-      </p:pic>
       <p:sp>
         <p:nvSpPr>
           <p:cNvPr id="9" name="TextBox 8">
@@ -13088,8 +12754,8 @@
         </p:nvSpPr>
         <p:spPr>
           <a:xfrm>
-            <a:off x="1341884" y="4365104"/>
-            <a:ext cx="5328253" cy="1954189"/>
+            <a:off x="1197869" y="1335160"/>
+            <a:ext cx="4896544" cy="2349361"/>
           </a:xfrm>
           <a:prstGeom prst="rect">
             <a:avLst/>
@@ -13097,7 +12763,7 @@
           <a:noFill/>
         </p:spPr>
         <p:txBody>
-          <a:bodyPr wrap="none" rtlCol="0">
+          <a:bodyPr wrap="square" rtlCol="0">
             <a:spAutoFit/>
           </a:bodyPr>
           <a:lstStyle/>
@@ -13262,6 +12928,53 @@
           </a:p>
         </p:txBody>
       </p:sp>
+      <p:pic>
+        <p:nvPicPr>
+          <p:cNvPr id="2167" name="Picture 119">
+            <a:extLst>
+              <a:ext uri="{FF2B5EF4-FFF2-40B4-BE49-F238E27FC236}">
+                <a16:creationId xmlns:a16="http://schemas.microsoft.com/office/drawing/2014/main" id="{6A889E5A-BAC2-4994-9B3C-3E4D21C8D287}"/>
+              </a:ext>
+            </a:extLst>
+          </p:cNvPr>
+          <p:cNvPicPr>
+            <a:picLocks noChangeAspect="1" noChangeArrowheads="1"/>
+          </p:cNvPicPr>
+          <p:nvPr/>
+        </p:nvPicPr>
+        <p:blipFill>
+          <a:blip r:embed="rId2">
+            <a:extLst>
+              <a:ext uri="{28A0092B-C50C-407E-A947-70E740481C1C}">
+                <a14:useLocalDpi xmlns:a14="http://schemas.microsoft.com/office/drawing/2010/main" val="0"/>
+              </a:ext>
+            </a:extLst>
+          </a:blip>
+          <a:srcRect/>
+          <a:stretch>
+            <a:fillRect/>
+          </a:stretch>
+        </p:blipFill>
+        <p:spPr bwMode="auto">
+          <a:xfrm>
+            <a:off x="5590356" y="476672"/>
+            <a:ext cx="5400600" cy="5478493"/>
+          </a:xfrm>
+          <a:prstGeom prst="rect">
+            <a:avLst/>
+          </a:prstGeom>
+          <a:noFill/>
+          <a:extLst>
+            <a:ext uri="{909E8E84-426E-40DD-AFC4-6F175D3DCCD1}">
+              <a14:hiddenFill xmlns:a14="http://schemas.microsoft.com/office/drawing/2010/main">
+                <a:solidFill>
+                  <a:srgbClr val="FFFFFF"/>
+                </a:solidFill>
+              </a14:hiddenFill>
+            </a:ext>
+          </a:extLst>
+        </p:spPr>
+      </p:pic>
     </p:spTree>
     <p:extLst>
       <p:ext uri="{BB962C8B-B14F-4D97-AF65-F5344CB8AC3E}">
@@ -13304,6 +13017,197 @@
           <a:chExt cx="0" cy="0"/>
         </a:xfrm>
       </p:grpSpPr>
+      <p:pic>
+        <p:nvPicPr>
+          <p:cNvPr id="2" name="Рисунок 1">
+            <a:extLst>
+              <a:ext uri="{FF2B5EF4-FFF2-40B4-BE49-F238E27FC236}">
+                <a16:creationId xmlns:a16="http://schemas.microsoft.com/office/drawing/2014/main" id="{123B1A19-EDE4-4A18-A172-42BB5CDC2C12}"/>
+              </a:ext>
+            </a:extLst>
+          </p:cNvPr>
+          <p:cNvPicPr>
+            <a:picLocks noChangeAspect="1"/>
+          </p:cNvPicPr>
+          <p:nvPr/>
+        </p:nvPicPr>
+        <p:blipFill>
+          <a:blip r:embed="rId2"/>
+          <a:stretch>
+            <a:fillRect/>
+          </a:stretch>
+        </p:blipFill>
+        <p:spPr>
+          <a:xfrm>
+            <a:off x="0" y="0"/>
+            <a:ext cx="12186245" cy="6858000"/>
+          </a:xfrm>
+          <a:prstGeom prst="rect">
+            <a:avLst/>
+          </a:prstGeom>
+        </p:spPr>
+      </p:pic>
+      <p:sp>
+        <p:nvSpPr>
+          <p:cNvPr id="3" name="TextBox 2">
+            <a:extLst>
+              <a:ext uri="{FF2B5EF4-FFF2-40B4-BE49-F238E27FC236}">
+                <a16:creationId xmlns:a16="http://schemas.microsoft.com/office/drawing/2014/main" id="{8B610787-D9DE-47F5-BC80-B21478AA497B}"/>
+              </a:ext>
+            </a:extLst>
+          </p:cNvPr>
+          <p:cNvSpPr txBox="1"/>
+          <p:nvPr/>
+        </p:nvSpPr>
+        <p:spPr>
+          <a:xfrm>
+            <a:off x="11134972" y="6165304"/>
+            <a:ext cx="872355" cy="523220"/>
+          </a:xfrm>
+          <a:prstGeom prst="rect">
+            <a:avLst/>
+          </a:prstGeom>
+          <a:noFill/>
+        </p:spPr>
+        <p:txBody>
+          <a:bodyPr wrap="none" rtlCol="0">
+            <a:spAutoFit/>
+          </a:bodyPr>
+          <a:lstStyle/>
+          <a:p>
+            <a:r>
+              <a:rPr lang="ru-RU" sz="2800" dirty="0"/>
+              <a:t>6</a:t>
+            </a:r>
+            <a:r>
+              <a:rPr lang="en-US" sz="2800" dirty="0"/>
+              <a:t>/13</a:t>
+            </a:r>
+            <a:endParaRPr lang="ru-RU" sz="2800" dirty="0"/>
+          </a:p>
+        </p:txBody>
+      </p:sp>
+      <p:sp>
+        <p:nvSpPr>
+          <p:cNvPr id="4" name="Заголовок 1">
+            <a:extLst>
+              <a:ext uri="{FF2B5EF4-FFF2-40B4-BE49-F238E27FC236}">
+                <a16:creationId xmlns:a16="http://schemas.microsoft.com/office/drawing/2014/main" id="{E4F98483-F9B4-470F-B55C-7917DB3CB3BA}"/>
+              </a:ext>
+            </a:extLst>
+          </p:cNvPr>
+          <p:cNvSpPr>
+            <a:spLocks noGrp="1"/>
+          </p:cNvSpPr>
+          <p:nvPr/>
+        </p:nvSpPr>
+        <p:spPr>
+          <a:xfrm>
+            <a:off x="6742484" y="155804"/>
+            <a:ext cx="5976664" cy="1080120"/>
+          </a:xfrm>
+          <a:prstGeom prst="rect">
+            <a:avLst/>
+          </a:prstGeom>
+        </p:spPr>
+        <p:txBody>
+          <a:bodyPr vert="horz" lIns="91440" tIns="45720" rIns="91440" bIns="45720" rtlCol="0" anchor="ctr">
+            <a:noAutofit/>
+          </a:bodyPr>
+          <a:lstStyle>
+            <a:lvl1pPr algn="l" defTabSz="914400" rtl="0" eaLnBrk="1" latinLnBrk="0" hangingPunct="1">
+              <a:lnSpc>
+                <a:spcPct val="90000"/>
+              </a:lnSpc>
+              <a:spcBef>
+                <a:spcPct val="0"/>
+              </a:spcBef>
+              <a:buNone/>
+              <a:defRPr sz="3600" kern="1200" cap="all" baseline="0">
+                <a:solidFill>
+                  <a:schemeClr val="tx1"/>
+                </a:solidFill>
+                <a:effectLst>
+                  <a:outerShdw blurRad="177800" dist="38100" dir="2700000" algn="tl">
+                    <a:srgbClr val="000000">
+                      <a:alpha val="24000"/>
+                    </a:srgbClr>
+                  </a:outerShdw>
+                </a:effectLst>
+                <a:latin typeface="+mj-lt"/>
+                <a:ea typeface="+mj-ea"/>
+                <a:cs typeface="+mj-cs"/>
+              </a:defRPr>
+            </a:lvl1pPr>
+          </a:lstStyle>
+          <a:p>
+            <a:pPr algn="ctr"/>
+            <a:r>
+              <a:rPr lang="ru-RU" b="1" dirty="0">
+                <a:effectLst/>
+                <a:latin typeface="Times New Roman" panose="02020603050405020304" pitchFamily="18" charset="0"/>
+                <a:cs typeface="Times New Roman" panose="02020603050405020304" pitchFamily="18" charset="0"/>
+              </a:rPr>
+              <a:t>Навигационная карта</a:t>
+            </a:r>
+            <a:r>
+              <a:rPr lang="en-US" b="1" dirty="0">
+                <a:effectLst/>
+                <a:latin typeface="Times New Roman" panose="02020603050405020304" pitchFamily="18" charset="0"/>
+                <a:cs typeface="Times New Roman" panose="02020603050405020304" pitchFamily="18" charset="0"/>
+              </a:rPr>
+              <a:t> </a:t>
+            </a:r>
+            <a:endParaRPr lang="ru-RU" b="1" dirty="0">
+              <a:effectLst/>
+              <a:latin typeface="Times New Roman" panose="02020603050405020304" pitchFamily="18" charset="0"/>
+              <a:cs typeface="Times New Roman" panose="02020603050405020304" pitchFamily="18" charset="0"/>
+            </a:endParaRPr>
+          </a:p>
+        </p:txBody>
+      </p:sp>
+    </p:spTree>
+    <p:extLst>
+      <p:ext uri="{BB962C8B-B14F-4D97-AF65-F5344CB8AC3E}">
+        <p14:creationId xmlns:p14="http://schemas.microsoft.com/office/powerpoint/2010/main" val="250545455"/>
+      </p:ext>
+    </p:extLst>
+  </p:cSld>
+  <p:clrMapOvr>
+    <a:masterClrMapping/>
+  </p:clrMapOvr>
+  <mc:AlternateContent xmlns:mc="http://schemas.openxmlformats.org/markup-compatibility/2006" xmlns:p14="http://schemas.microsoft.com/office/powerpoint/2010/main">
+    <mc:Choice Requires="p14">
+      <p:transition spd="med" p14:dur="700">
+        <p:fade/>
+      </p:transition>
+    </mc:Choice>
+    <mc:Fallback xmlns="">
+      <p:transition spd="med">
+        <p:fade/>
+      </p:transition>
+    </mc:Fallback>
+  </mc:AlternateContent>
+</p:sld>
+</file>
+
+<file path=ppt/slides/slide7.xml><?xml version="1.0" encoding="utf-8"?>
+<p:sld xmlns:a="http://schemas.openxmlformats.org/drawingml/2006/main" xmlns:r="http://schemas.openxmlformats.org/officeDocument/2006/relationships" xmlns:p="http://schemas.openxmlformats.org/presentationml/2006/main">
+  <p:cSld>
+    <p:spTree>
+      <p:nvGrpSpPr>
+        <p:cNvPr id="1" name=""/>
+        <p:cNvGrpSpPr/>
+        <p:nvPr/>
+      </p:nvGrpSpPr>
+      <p:grpSpPr>
+        <a:xfrm>
+          <a:off x="0" y="0"/>
+          <a:ext cx="0" cy="0"/>
+          <a:chOff x="0" y="0"/>
+          <a:chExt cx="0" cy="0"/>
+        </a:xfrm>
+      </p:grpSpPr>
       <p:sp>
         <p:nvSpPr>
           <p:cNvPr id="3" name="TextBox 2">
@@ -13318,8 +13222,8 @@
         </p:nvSpPr>
         <p:spPr>
           <a:xfrm>
-            <a:off x="2133972" y="1340768"/>
-            <a:ext cx="7259424" cy="5262979"/>
+            <a:off x="2137290" y="1778033"/>
+            <a:ext cx="7259424" cy="4401205"/>
           </a:xfrm>
           <a:prstGeom prst="rect">
             <a:avLst/>
@@ -13337,7 +13241,7 @@
               <a:buAutoNum type="arabicParenR"/>
             </a:pPr>
             <a:r>
-              <a:rPr lang="ru-RU" dirty="0">
+              <a:rPr lang="ru-RU" sz="2000" dirty="0">
                 <a:effectLst/>
                 <a:latin typeface="Times New Roman" panose="02020603050405020304" pitchFamily="18" charset="0"/>
                 <a:ea typeface="Times New Roman" panose="02020603050405020304" pitchFamily="18" charset="0"/>
@@ -13352,7 +13256,7 @@
               <a:buAutoNum type="arabicParenR"/>
             </a:pPr>
             <a:r>
-              <a:rPr lang="ru-RU" dirty="0">
+              <a:rPr lang="ru-RU" sz="2000" dirty="0">
                 <a:effectLst/>
                 <a:latin typeface="Times New Roman" panose="02020603050405020304" pitchFamily="18" charset="0"/>
                 <a:ea typeface="Times New Roman" panose="02020603050405020304" pitchFamily="18" charset="0"/>
@@ -13367,7 +13271,7 @@
               <a:buAutoNum type="arabicParenR"/>
             </a:pPr>
             <a:r>
-              <a:rPr lang="ru-RU" dirty="0">
+              <a:rPr lang="ru-RU" sz="2000" dirty="0">
                 <a:effectLst/>
                 <a:latin typeface="Times New Roman" panose="02020603050405020304" pitchFamily="18" charset="0"/>
                 <a:ea typeface="Times New Roman" panose="02020603050405020304" pitchFamily="18" charset="0"/>
@@ -13382,7 +13286,7 @@
               <a:buAutoNum type="arabicParenR"/>
             </a:pPr>
             <a:r>
-              <a:rPr lang="ru-RU" dirty="0">
+              <a:rPr lang="ru-RU" sz="2000" dirty="0">
                 <a:effectLst/>
                 <a:latin typeface="Times New Roman" panose="02020603050405020304" pitchFamily="18" charset="0"/>
                 <a:ea typeface="Times New Roman" panose="02020603050405020304" pitchFamily="18" charset="0"/>
@@ -13397,7 +13301,7 @@
               <a:buAutoNum type="arabicParenR"/>
             </a:pPr>
             <a:r>
-              <a:rPr lang="ru-RU" dirty="0">
+              <a:rPr lang="ru-RU" sz="2000" dirty="0">
                 <a:effectLst/>
                 <a:latin typeface="Times New Roman" panose="02020603050405020304" pitchFamily="18" charset="0"/>
                 <a:ea typeface="Times New Roman" panose="02020603050405020304" pitchFamily="18" charset="0"/>
@@ -13412,7 +13316,7 @@
               <a:buAutoNum type="arabicParenR"/>
             </a:pPr>
             <a:r>
-              <a:rPr lang="ru-RU" dirty="0">
+              <a:rPr lang="ru-RU" sz="2000" dirty="0">
                 <a:effectLst/>
                 <a:latin typeface="Times New Roman" panose="02020603050405020304" pitchFamily="18" charset="0"/>
                 <a:ea typeface="Times New Roman" panose="02020603050405020304" pitchFamily="18" charset="0"/>
@@ -13427,7 +13331,7 @@
               <a:buAutoNum type="arabicParenR"/>
             </a:pPr>
             <a:r>
-              <a:rPr lang="ru-RU" dirty="0">
+              <a:rPr lang="ru-RU" sz="2000" dirty="0">
                 <a:effectLst/>
                 <a:latin typeface="Times New Roman" panose="02020603050405020304" pitchFamily="18" charset="0"/>
                 <a:ea typeface="Times New Roman" panose="02020603050405020304" pitchFamily="18" charset="0"/>
@@ -13442,7 +13346,7 @@
               <a:buAutoNum type="arabicParenR"/>
             </a:pPr>
             <a:r>
-              <a:rPr lang="ru-RU" dirty="0">
+              <a:rPr lang="ru-RU" sz="2000" dirty="0">
                 <a:effectLst/>
                 <a:latin typeface="Times New Roman" panose="02020603050405020304" pitchFamily="18" charset="0"/>
                 <a:ea typeface="Times New Roman" panose="02020603050405020304" pitchFamily="18" charset="0"/>
@@ -13457,7 +13361,7 @@
               <a:buAutoNum type="arabicParenR"/>
             </a:pPr>
             <a:r>
-              <a:rPr lang="ru-RU" dirty="0">
+              <a:rPr lang="ru-RU" sz="2000" dirty="0">
                 <a:effectLst/>
                 <a:latin typeface="Times New Roman" panose="02020603050405020304" pitchFamily="18" charset="0"/>
                 <a:ea typeface="Times New Roman" panose="02020603050405020304" pitchFamily="18" charset="0"/>
@@ -13472,7 +13376,7 @@
               <a:buAutoNum type="arabicParenR"/>
             </a:pPr>
             <a:r>
-              <a:rPr lang="ru-RU" dirty="0">
+              <a:rPr lang="ru-RU" sz="2000" dirty="0">
                 <a:effectLst/>
                 <a:latin typeface="Times New Roman" panose="02020603050405020304" pitchFamily="18" charset="0"/>
                 <a:ea typeface="Times New Roman" panose="02020603050405020304" pitchFamily="18" charset="0"/>
@@ -13487,7 +13391,7 @@
               <a:buAutoNum type="arabicParenR"/>
             </a:pPr>
             <a:r>
-              <a:rPr lang="ru-RU" dirty="0">
+              <a:rPr lang="ru-RU" sz="2000" dirty="0">
                 <a:effectLst/>
                 <a:latin typeface="Times New Roman" panose="02020603050405020304" pitchFamily="18" charset="0"/>
                 <a:ea typeface="Times New Roman" panose="02020603050405020304" pitchFamily="18" charset="0"/>
@@ -13502,7 +13406,7 @@
               <a:buAutoNum type="arabicParenR"/>
             </a:pPr>
             <a:r>
-              <a:rPr lang="ru-RU" dirty="0">
+              <a:rPr lang="ru-RU" sz="2000" dirty="0">
                 <a:effectLst/>
                 <a:latin typeface="Times New Roman" panose="02020603050405020304" pitchFamily="18" charset="0"/>
                 <a:ea typeface="Times New Roman" panose="02020603050405020304" pitchFamily="18" charset="0"/>
@@ -13517,7 +13421,7 @@
               <a:buAutoNum type="arabicParenR"/>
             </a:pPr>
             <a:r>
-              <a:rPr lang="ru-RU" dirty="0">
+              <a:rPr lang="ru-RU" sz="2000" dirty="0">
                 <a:effectLst/>
                 <a:latin typeface="Times New Roman" panose="02020603050405020304" pitchFamily="18" charset="0"/>
                 <a:ea typeface="Times New Roman" panose="02020603050405020304" pitchFamily="18" charset="0"/>
@@ -13532,7 +13436,7 @@
               <a:buAutoNum type="arabicParenR"/>
             </a:pPr>
             <a:r>
-              <a:rPr lang="ru-RU" dirty="0">
+              <a:rPr lang="ru-RU" sz="2000" dirty="0">
                 <a:effectLst/>
                 <a:latin typeface="Times New Roman" panose="02020603050405020304" pitchFamily="18" charset="0"/>
                 <a:ea typeface="Times New Roman" panose="02020603050405020304" pitchFamily="18" charset="0"/>
@@ -13591,11 +13495,18 @@
           </a:lstStyle>
           <a:p>
             <a:r>
+              <a:rPr lang="ru-RU" b="1">
+                <a:latin typeface="Times New Roman" panose="02020603050405020304" pitchFamily="18" charset="0"/>
+                <a:cs typeface="Times New Roman" panose="02020603050405020304" pitchFamily="18" charset="0"/>
+              </a:rPr>
+              <a:t>Руководство </a:t>
+            </a:r>
+            <a:r>
               <a:rPr lang="ru-RU" b="1" dirty="0">
                 <a:latin typeface="Times New Roman" panose="02020603050405020304" pitchFamily="18" charset="0"/>
                 <a:cs typeface="Times New Roman" panose="02020603050405020304" pitchFamily="18" charset="0"/>
               </a:rPr>
-              <a:t>Руководство оператора</a:t>
+              <a:t>оператора</a:t>
             </a:r>
           </a:p>
         </p:txBody>
@@ -13629,61 +13540,23 @@
           <a:lstStyle/>
           <a:p>
             <a:r>
+              <a:rPr lang="ru-RU" sz="2800" dirty="0"/>
+              <a:t>7</a:t>
+            </a:r>
+            <a:r>
               <a:rPr lang="en-US" sz="2800" dirty="0"/>
-              <a:t>6/13</a:t>
+              <a:t>/13</a:t>
             </a:r>
             <a:endParaRPr lang="ru-RU" sz="2800" dirty="0"/>
           </a:p>
         </p:txBody>
       </p:sp>
-    </p:spTree>
-    <p:extLst>
-      <p:ext uri="{BB962C8B-B14F-4D97-AF65-F5344CB8AC3E}">
-        <p14:creationId xmlns:p14="http://schemas.microsoft.com/office/powerpoint/2010/main" val="1040492728"/>
-      </p:ext>
-    </p:extLst>
-  </p:cSld>
-  <p:clrMapOvr>
-    <a:masterClrMapping/>
-  </p:clrMapOvr>
-  <mc:AlternateContent xmlns:mc="http://schemas.openxmlformats.org/markup-compatibility/2006" xmlns:p14="http://schemas.microsoft.com/office/powerpoint/2010/main">
-    <mc:Choice Requires="p14">
-      <p:transition spd="med" p14:dur="700">
-        <p:fade/>
-      </p:transition>
-    </mc:Choice>
-    <mc:Fallback xmlns="">
-      <p:transition spd="med">
-        <p:fade/>
-      </p:transition>
-    </mc:Fallback>
-  </mc:AlternateContent>
-</p:sld>
-</file>
-
-<file path=ppt/slides/slide7.xml><?xml version="1.0" encoding="utf-8"?>
-<p:sld xmlns:a="http://schemas.openxmlformats.org/drawingml/2006/main" xmlns:r="http://schemas.openxmlformats.org/officeDocument/2006/relationships" xmlns:p="http://schemas.openxmlformats.org/presentationml/2006/main">
-  <p:cSld>
-    <p:spTree>
-      <p:nvGrpSpPr>
-        <p:cNvPr id="1" name=""/>
-        <p:cNvGrpSpPr/>
-        <p:nvPr/>
-      </p:nvGrpSpPr>
-      <p:grpSpPr>
-        <a:xfrm>
-          <a:off x="0" y="0"/>
-          <a:ext cx="0" cy="0"/>
-          <a:chOff x="0" y="0"/>
-          <a:chExt cx="0" cy="0"/>
-        </a:xfrm>
-      </p:grpSpPr>
       <p:sp>
         <p:nvSpPr>
-          <p:cNvPr id="3" name="TextBox 2">
+          <p:cNvPr id="2" name="TextBox 1">
             <a:extLst>
               <a:ext uri="{FF2B5EF4-FFF2-40B4-BE49-F238E27FC236}">
-                <a16:creationId xmlns:a16="http://schemas.microsoft.com/office/drawing/2014/main" id="{E38A2FFA-36C3-43E0-9698-A8593C6ABA2A}"/>
+                <a16:creationId xmlns:a16="http://schemas.microsoft.com/office/drawing/2014/main" id="{EF57AB11-D148-4D9C-882D-AA1991DD47E2}"/>
               </a:ext>
             </a:extLst>
           </p:cNvPr>
@@ -13692,320 +13565,8 @@
         </p:nvSpPr>
         <p:spPr>
           <a:xfrm>
-            <a:off x="1709132" y="1124744"/>
-            <a:ext cx="9353831" cy="5632311"/>
-          </a:xfrm>
-          <a:prstGeom prst="rect">
-            <a:avLst/>
-          </a:prstGeom>
-          <a:noFill/>
-        </p:spPr>
-        <p:txBody>
-          <a:bodyPr wrap="square">
-            <a:spAutoFit/>
-          </a:bodyPr>
-          <a:lstStyle/>
-          <a:p>
-            <a:pPr marL="457200" lvl="0" indent="-457200">
-              <a:buFont typeface="+mj-lt"/>
-              <a:buAutoNum type="arabicParenR" startAt="15"/>
-            </a:pPr>
-            <a:r>
-              <a:rPr lang="ru-RU" dirty="0">
-                <a:effectLst/>
-                <a:latin typeface="Times New Roman" panose="02020603050405020304" pitchFamily="18" charset="0"/>
-                <a:ea typeface="Times New Roman" panose="02020603050405020304" pitchFamily="18" charset="0"/>
-              </a:rPr>
-              <a:t>Функции перехода на страницу ВК;</a:t>
-            </a:r>
-          </a:p>
-          <a:p>
-            <a:pPr marL="342900" lvl="0" indent="-342900">
-              <a:buFont typeface="+mj-lt"/>
-              <a:buAutoNum type="arabicParenR" startAt="15"/>
-            </a:pPr>
-            <a:r>
-              <a:rPr lang="ru-RU" dirty="0">
-                <a:effectLst/>
-                <a:latin typeface="Times New Roman" panose="02020603050405020304" pitchFamily="18" charset="0"/>
-                <a:ea typeface="Times New Roman" panose="02020603050405020304" pitchFamily="18" charset="0"/>
-              </a:rPr>
-              <a:t>Функции перехода на канал </a:t>
-            </a:r>
-            <a:r>
-              <a:rPr lang="en-US" dirty="0">
-                <a:effectLst/>
-                <a:latin typeface="Times New Roman" panose="02020603050405020304" pitchFamily="18" charset="0"/>
-                <a:ea typeface="Times New Roman" panose="02020603050405020304" pitchFamily="18" charset="0"/>
-              </a:rPr>
-              <a:t>YouTube</a:t>
-            </a:r>
-            <a:r>
-              <a:rPr lang="ru-RU" dirty="0">
-                <a:effectLst/>
-                <a:latin typeface="Times New Roman" panose="02020603050405020304" pitchFamily="18" charset="0"/>
-                <a:ea typeface="Times New Roman" panose="02020603050405020304" pitchFamily="18" charset="0"/>
-              </a:rPr>
-              <a:t>;</a:t>
-            </a:r>
-          </a:p>
-          <a:p>
-            <a:pPr marL="342900" lvl="0" indent="-342900">
-              <a:buFont typeface="+mj-lt"/>
-              <a:buAutoNum type="arabicParenR" startAt="15"/>
-            </a:pPr>
-            <a:r>
-              <a:rPr lang="ru-RU" dirty="0">
-                <a:effectLst/>
-                <a:latin typeface="Times New Roman" panose="02020603050405020304" pitchFamily="18" charset="0"/>
-                <a:ea typeface="Times New Roman" panose="02020603050405020304" pitchFamily="18" charset="0"/>
-              </a:rPr>
-              <a:t>Функции выставления оценок;</a:t>
-            </a:r>
-          </a:p>
-          <a:p>
-            <a:pPr marL="342900" lvl="0" indent="-342900">
-              <a:buFont typeface="+mj-lt"/>
-              <a:buAutoNum type="arabicParenR" startAt="15"/>
-            </a:pPr>
-            <a:r>
-              <a:rPr lang="ru-RU" dirty="0">
-                <a:effectLst/>
-                <a:latin typeface="Times New Roman" panose="02020603050405020304" pitchFamily="18" charset="0"/>
-                <a:ea typeface="Times New Roman" panose="02020603050405020304" pitchFamily="18" charset="0"/>
-              </a:rPr>
-              <a:t>Функции удаления оценок;</a:t>
-            </a:r>
-          </a:p>
-          <a:p>
-            <a:pPr marL="342900" lvl="0" indent="-342900">
-              <a:buFont typeface="+mj-lt"/>
-              <a:buAutoNum type="arabicParenR" startAt="15"/>
-            </a:pPr>
-            <a:r>
-              <a:rPr lang="ru-RU" dirty="0">
-                <a:effectLst/>
-                <a:latin typeface="Times New Roman" panose="02020603050405020304" pitchFamily="18" charset="0"/>
-                <a:ea typeface="Times New Roman" panose="02020603050405020304" pitchFamily="18" charset="0"/>
-              </a:rPr>
-              <a:t>Функции изменения оценок;</a:t>
-            </a:r>
-          </a:p>
-          <a:p>
-            <a:pPr marL="342900" lvl="0" indent="-342900">
-              <a:buFont typeface="+mj-lt"/>
-              <a:buAutoNum type="arabicParenR" startAt="15"/>
-            </a:pPr>
-            <a:r>
-              <a:rPr lang="ru-RU" dirty="0">
-                <a:effectLst/>
-                <a:latin typeface="Times New Roman" panose="02020603050405020304" pitchFamily="18" charset="0"/>
-                <a:ea typeface="Times New Roman" panose="02020603050405020304" pitchFamily="18" charset="0"/>
-              </a:rPr>
-              <a:t>Функции указания замечания к оценке;</a:t>
-            </a:r>
-          </a:p>
-          <a:p>
-            <a:pPr marL="342900" lvl="0" indent="-342900">
-              <a:buFont typeface="+mj-lt"/>
-              <a:buAutoNum type="arabicParenR" startAt="15"/>
-            </a:pPr>
-            <a:r>
-              <a:rPr lang="ru-RU" dirty="0">
-                <a:effectLst/>
-                <a:latin typeface="Times New Roman" panose="02020603050405020304" pitchFamily="18" charset="0"/>
-                <a:ea typeface="Times New Roman" panose="02020603050405020304" pitchFamily="18" charset="0"/>
-              </a:rPr>
-              <a:t>Функции указания домашнего задания;</a:t>
-            </a:r>
-          </a:p>
-          <a:p>
-            <a:pPr marL="342900" lvl="0" indent="-342900">
-              <a:buFont typeface="+mj-lt"/>
-              <a:buAutoNum type="arabicParenR" startAt="15"/>
-            </a:pPr>
-            <a:r>
-              <a:rPr lang="ru-RU" dirty="0">
-                <a:effectLst/>
-                <a:latin typeface="Times New Roman" panose="02020603050405020304" pitchFamily="18" charset="0"/>
-                <a:ea typeface="Times New Roman" panose="02020603050405020304" pitchFamily="18" charset="0"/>
-              </a:rPr>
-              <a:t>Функции управления группой;</a:t>
-            </a:r>
-          </a:p>
-          <a:p>
-            <a:pPr marL="342900" lvl="0" indent="-342900">
-              <a:buFont typeface="+mj-lt"/>
-              <a:buAutoNum type="arabicParenR" startAt="15"/>
-            </a:pPr>
-            <a:r>
-              <a:rPr lang="ru-RU" dirty="0">
-                <a:effectLst/>
-                <a:latin typeface="Times New Roman" panose="02020603050405020304" pitchFamily="18" charset="0"/>
-                <a:ea typeface="Times New Roman" panose="02020603050405020304" pitchFamily="18" charset="0"/>
-              </a:rPr>
-              <a:t>Функции добавления учеников в группы;</a:t>
-            </a:r>
-          </a:p>
-          <a:p>
-            <a:pPr marL="342900" lvl="0" indent="-342900">
-              <a:buFont typeface="+mj-lt"/>
-              <a:buAutoNum type="arabicParenR" startAt="15"/>
-            </a:pPr>
-            <a:r>
-              <a:rPr lang="ru-RU" dirty="0">
-                <a:effectLst/>
-                <a:latin typeface="Times New Roman" panose="02020603050405020304" pitchFamily="18" charset="0"/>
-                <a:ea typeface="Times New Roman" panose="02020603050405020304" pitchFamily="18" charset="0"/>
-              </a:rPr>
-              <a:t>Функции удаления учеников из группы;</a:t>
-            </a:r>
-          </a:p>
-          <a:p>
-            <a:pPr marL="342900" lvl="0" indent="-342900">
-              <a:buFont typeface="+mj-lt"/>
-              <a:buAutoNum type="arabicParenR" startAt="15"/>
-            </a:pPr>
-            <a:r>
-              <a:rPr lang="ru-RU" dirty="0">
-                <a:effectLst/>
-                <a:latin typeface="Times New Roman" panose="02020603050405020304" pitchFamily="18" charset="0"/>
-                <a:ea typeface="Times New Roman" panose="02020603050405020304" pitchFamily="18" charset="0"/>
-              </a:rPr>
-              <a:t>Функции регистрации на курсы повышения квалификации;</a:t>
-            </a:r>
-          </a:p>
-          <a:p>
-            <a:pPr marL="342900" lvl="0" indent="-342900">
-              <a:buFont typeface="+mj-lt"/>
-              <a:buAutoNum type="arabicParenR" startAt="15"/>
-            </a:pPr>
-            <a:r>
-              <a:rPr lang="ru-RU" dirty="0">
-                <a:effectLst/>
-                <a:latin typeface="Times New Roman" panose="02020603050405020304" pitchFamily="18" charset="0"/>
-                <a:ea typeface="Times New Roman" panose="02020603050405020304" pitchFamily="18" charset="0"/>
-              </a:rPr>
-              <a:t>Функции регистрации на курсы переподготовки;</a:t>
-            </a:r>
-          </a:p>
-          <a:p>
-            <a:pPr marL="342900" lvl="0" indent="-342900">
-              <a:buFont typeface="+mj-lt"/>
-              <a:buAutoNum type="arabicParenR" startAt="15"/>
-            </a:pPr>
-            <a:r>
-              <a:rPr lang="ru-RU" dirty="0">
-                <a:effectLst/>
-                <a:latin typeface="Times New Roman" panose="02020603050405020304" pitchFamily="18" charset="0"/>
-                <a:ea typeface="Times New Roman" panose="02020603050405020304" pitchFamily="18" charset="0"/>
-              </a:rPr>
-              <a:t>Функции подтверждения аккаунта преподавателей;</a:t>
-            </a:r>
-          </a:p>
-          <a:p>
-            <a:pPr marL="342900" lvl="0" indent="-342900">
-              <a:buFont typeface="+mj-lt"/>
-              <a:buAutoNum type="arabicParenR" startAt="15"/>
-            </a:pPr>
-            <a:r>
-              <a:rPr lang="ru-RU" dirty="0">
-                <a:effectLst/>
-                <a:latin typeface="Times New Roman" panose="02020603050405020304" pitchFamily="18" charset="0"/>
-                <a:ea typeface="Times New Roman" panose="02020603050405020304" pitchFamily="18" charset="0"/>
-              </a:rPr>
-              <a:t>Функции редактирования сайта;</a:t>
-            </a:r>
-          </a:p>
-          <a:p>
-            <a:pPr marL="342900" lvl="0" indent="-342900">
-              <a:buFont typeface="+mj-lt"/>
-              <a:buAutoNum type="arabicParenR" startAt="15"/>
-            </a:pPr>
-            <a:r>
-              <a:rPr lang="ru-RU" dirty="0">
-                <a:effectLst/>
-                <a:latin typeface="Times New Roman" panose="02020603050405020304" pitchFamily="18" charset="0"/>
-                <a:ea typeface="Times New Roman" panose="02020603050405020304" pitchFamily="18" charset="0"/>
-              </a:rPr>
-              <a:t>Функции обновления информации на сайте.</a:t>
-            </a:r>
-          </a:p>
-        </p:txBody>
-      </p:sp>
-      <p:sp>
-        <p:nvSpPr>
-          <p:cNvPr id="5" name="Заголовок 1">
-            <a:extLst>
-              <a:ext uri="{FF2B5EF4-FFF2-40B4-BE49-F238E27FC236}">
-                <a16:creationId xmlns:a16="http://schemas.microsoft.com/office/drawing/2014/main" id="{5708FB41-E7B8-406D-85E4-D554AB163036}"/>
-              </a:ext>
-            </a:extLst>
-          </p:cNvPr>
-          <p:cNvSpPr txBox="1">
-            <a:spLocks/>
-          </p:cNvSpPr>
-          <p:nvPr/>
-        </p:nvSpPr>
-        <p:spPr>
-          <a:xfrm>
-            <a:off x="3477282" y="569666"/>
-            <a:ext cx="5234259" cy="660673"/>
-          </a:xfrm>
-          <a:prstGeom prst="rect">
-            <a:avLst/>
-          </a:prstGeom>
-        </p:spPr>
-        <p:txBody>
-          <a:bodyPr>
-            <a:normAutofit/>
-          </a:bodyPr>
-          <a:lstStyle>
-            <a:lvl1pPr algn="l" defTabSz="1218987" rtl="0" eaLnBrk="1" latinLnBrk="0" hangingPunct="1">
-              <a:lnSpc>
-                <a:spcPct val="90000"/>
-              </a:lnSpc>
-              <a:spcBef>
-                <a:spcPct val="0"/>
-              </a:spcBef>
-              <a:buNone/>
-              <a:defRPr sz="3600" kern="1200">
-                <a:solidFill>
-                  <a:schemeClr val="tx1"/>
-                </a:solidFill>
-                <a:latin typeface="+mj-lt"/>
-                <a:ea typeface="+mj-ea"/>
-                <a:cs typeface="+mj-cs"/>
-              </a:defRPr>
-            </a:lvl1pPr>
-          </a:lstStyle>
-          <a:p>
-            <a:r>
-              <a:rPr lang="ru-RU" b="1" dirty="0">
-                <a:latin typeface="Times New Roman" panose="02020603050405020304" pitchFamily="18" charset="0"/>
-                <a:cs typeface="Times New Roman" panose="02020603050405020304" pitchFamily="18" charset="0"/>
-              </a:rPr>
-              <a:t>Руководство оператора</a:t>
-            </a:r>
-          </a:p>
-        </p:txBody>
-      </p:sp>
-      <p:sp>
-        <p:nvSpPr>
-          <p:cNvPr id="6" name="TextBox 5">
-            <a:extLst>
-              <a:ext uri="{FF2B5EF4-FFF2-40B4-BE49-F238E27FC236}">
-                <a16:creationId xmlns:a16="http://schemas.microsoft.com/office/drawing/2014/main" id="{4AF0EF2A-7D80-477C-B773-DD8D84F23173}"/>
-              </a:ext>
-            </a:extLst>
-          </p:cNvPr>
-          <p:cNvSpPr txBox="1"/>
-          <p:nvPr/>
-        </p:nvSpPr>
-        <p:spPr>
-          <a:xfrm>
-            <a:off x="11134972" y="6165304"/>
-            <a:ext cx="872355" cy="523220"/>
+            <a:off x="2137290" y="1230339"/>
+            <a:ext cx="5580695" cy="461665"/>
           </a:xfrm>
           <a:prstGeom prst="rect">
             <a:avLst/>
@@ -14019,17 +13580,19 @@
           <a:lstStyle/>
           <a:p>
             <a:r>
-              <a:rPr lang="en-US" sz="2800" dirty="0"/>
-              <a:t>7/13</a:t>
-            </a:r>
-            <a:endParaRPr lang="ru-RU" sz="2800" dirty="0"/>
+              <a:rPr lang="ru-RU" dirty="0">
+                <a:latin typeface="Times New Roman" panose="02020603050405020304" pitchFamily="18" charset="0"/>
+                <a:cs typeface="Times New Roman" panose="02020603050405020304" pitchFamily="18" charset="0"/>
+              </a:rPr>
+              <a:t>Будут реализованы следующие функции:</a:t>
+            </a:r>
           </a:p>
         </p:txBody>
       </p:sp>
     </p:spTree>
     <p:extLst>
       <p:ext uri="{BB962C8B-B14F-4D97-AF65-F5344CB8AC3E}">
-        <p14:creationId xmlns:p14="http://schemas.microsoft.com/office/powerpoint/2010/main" val="3148778904"/>
+        <p14:creationId xmlns:p14="http://schemas.microsoft.com/office/powerpoint/2010/main" val="1040492728"/>
       </p:ext>
     </p:extLst>
   </p:cSld>
@@ -14082,7 +13645,7 @@
         </p:nvSpPr>
         <p:spPr>
           <a:xfrm>
-            <a:off x="2926060" y="1844824"/>
+            <a:off x="2795579" y="1916832"/>
             <a:ext cx="6597664" cy="1969385"/>
           </a:xfrm>
           <a:prstGeom prst="rect">
@@ -14330,8 +13893,8 @@
         </p:nvSpPr>
         <p:spPr>
           <a:xfrm>
-            <a:off x="909836" y="1182859"/>
-            <a:ext cx="11141819" cy="3903954"/>
+            <a:off x="1125861" y="1248960"/>
+            <a:ext cx="5544616" cy="4284314"/>
           </a:xfrm>
           <a:prstGeom prst="rect">
             <a:avLst/>
@@ -14350,7 +13913,7 @@
               </a:lnSpc>
             </a:pPr>
             <a:r>
-              <a:rPr lang="ru-RU" cap="all" dirty="0" err="1">
+              <a:rPr lang="ru-RU" sz="2000" cap="all" dirty="0" err="1">
                 <a:latin typeface="Times New Roman" panose="02020603050405020304" pitchFamily="18" charset="0"/>
                 <a:ea typeface="+mj-ea"/>
                 <a:cs typeface="Times New Roman" panose="02020603050405020304" pitchFamily="18" charset="0"/>
@@ -14358,12 +13921,12 @@
               <a:t>формА</a:t>
             </a:r>
             <a:r>
-              <a:rPr lang="ru-RU" cap="all" dirty="0">
+              <a:rPr lang="ru-RU" sz="2000" cap="all" dirty="0">
                 <a:latin typeface="Times New Roman" panose="02020603050405020304" pitchFamily="18" charset="0"/>
                 <a:ea typeface="+mj-ea"/>
                 <a:cs typeface="Times New Roman" panose="02020603050405020304" pitchFamily="18" charset="0"/>
               </a:rPr>
-              <a:t> «Авторизация» </a:t>
+              <a:t> «Вход в личный кабинет» </a:t>
             </a:r>
           </a:p>
           <a:p>
@@ -14373,15 +13936,15 @@
               </a:lnSpc>
             </a:pPr>
             <a:r>
-              <a:rPr lang="ru-RU" cap="all" dirty="0">
+              <a:rPr lang="ru-RU" sz="2000" cap="all" dirty="0">
                 <a:latin typeface="Times New Roman" panose="02020603050405020304" pitchFamily="18" charset="0"/>
                 <a:ea typeface="+mj-ea"/>
                 <a:cs typeface="Times New Roman" panose="02020603050405020304" pitchFamily="18" charset="0"/>
               </a:rPr>
-              <a:t>использовали </a:t>
-            </a:r>
-            <a:r>
-              <a:rPr lang="ru-RU" b="1" cap="all" dirty="0">
+              <a:t>использовалось </a:t>
+            </a:r>
+            <a:r>
+              <a:rPr lang="ru-RU" sz="2000" b="1" cap="all" dirty="0">
                 <a:latin typeface="Times New Roman" panose="02020603050405020304" pitchFamily="18" charset="0"/>
                 <a:ea typeface="+mj-ea"/>
                 <a:cs typeface="Times New Roman" panose="02020603050405020304" pitchFamily="18" charset="0"/>
@@ -14389,7 +13952,7 @@
               <a:t>Функциональное</a:t>
             </a:r>
             <a:r>
-              <a:rPr lang="ru-RU" cap="all" dirty="0">
+              <a:rPr lang="ru-RU" sz="2000" cap="all" dirty="0">
                 <a:latin typeface="Times New Roman" panose="02020603050405020304" pitchFamily="18" charset="0"/>
                 <a:ea typeface="+mj-ea"/>
                 <a:cs typeface="Times New Roman" panose="02020603050405020304" pitchFamily="18" charset="0"/>
@@ -14397,53 +13960,42 @@
               <a:t> </a:t>
             </a:r>
             <a:r>
-              <a:rPr lang="ru-RU" b="1" cap="all" dirty="0">
+              <a:rPr lang="ru-RU" sz="2000" b="1" cap="all" dirty="0">
                 <a:latin typeface="Times New Roman" panose="02020603050405020304" pitchFamily="18" charset="0"/>
                 <a:ea typeface="+mj-ea"/>
                 <a:cs typeface="Times New Roman" panose="02020603050405020304" pitchFamily="18" charset="0"/>
               </a:rPr>
               <a:t>тестирование</a:t>
             </a:r>
-            <a:r>
-              <a:rPr lang="ru-RU" cap="all" dirty="0">
-                <a:latin typeface="Times New Roman" panose="02020603050405020304" pitchFamily="18" charset="0"/>
-                <a:ea typeface="+mj-ea"/>
-                <a:cs typeface="Times New Roman" panose="02020603050405020304" pitchFamily="18" charset="0"/>
-              </a:rPr>
-              <a:t> (</a:t>
-            </a:r>
-            <a:r>
-              <a:rPr lang="ru-RU" cap="all" dirty="0" err="1">
-                <a:latin typeface="Times New Roman" panose="02020603050405020304" pitchFamily="18" charset="0"/>
-                <a:ea typeface="+mj-ea"/>
-                <a:cs typeface="Times New Roman" panose="02020603050405020304" pitchFamily="18" charset="0"/>
-              </a:rPr>
-              <a:t>Functional</a:t>
-            </a:r>
-            <a:r>
-              <a:rPr lang="ru-RU" cap="all" dirty="0">
-                <a:latin typeface="Times New Roman" panose="02020603050405020304" pitchFamily="18" charset="0"/>
-                <a:ea typeface="+mj-ea"/>
-                <a:cs typeface="Times New Roman" panose="02020603050405020304" pitchFamily="18" charset="0"/>
-              </a:rPr>
-              <a:t> </a:t>
-            </a:r>
-            <a:r>
-              <a:rPr lang="ru-RU" cap="all" dirty="0" err="1">
-                <a:latin typeface="Times New Roman" panose="02020603050405020304" pitchFamily="18" charset="0"/>
-                <a:ea typeface="+mj-ea"/>
-                <a:cs typeface="Times New Roman" panose="02020603050405020304" pitchFamily="18" charset="0"/>
-              </a:rPr>
-              <a:t>testing</a:t>
-            </a:r>
-            <a:r>
-              <a:rPr lang="ru-RU" cap="all" dirty="0">
-                <a:latin typeface="Times New Roman" panose="02020603050405020304" pitchFamily="18" charset="0"/>
-                <a:ea typeface="+mj-ea"/>
-                <a:cs typeface="Times New Roman" panose="02020603050405020304" pitchFamily="18" charset="0"/>
-              </a:rPr>
-              <a:t>)</a:t>
-            </a:r>
+            <a:endParaRPr lang="ru-RU" sz="2000" cap="all" dirty="0">
+              <a:latin typeface="Times New Roman" panose="02020603050405020304" pitchFamily="18" charset="0"/>
+              <a:ea typeface="+mj-ea"/>
+              <a:cs typeface="Times New Roman" panose="02020603050405020304" pitchFamily="18" charset="0"/>
+            </a:endParaRPr>
+          </a:p>
+          <a:p>
+            <a:pPr fontAlgn="base">
+              <a:lnSpc>
+                <a:spcPct val="150000"/>
+              </a:lnSpc>
+            </a:pPr>
+            <a:endParaRPr lang="ru-RU" sz="2000" cap="all" dirty="0">
+              <a:latin typeface="Times New Roman" panose="02020603050405020304" pitchFamily="18" charset="0"/>
+              <a:ea typeface="+mj-ea"/>
+              <a:cs typeface="Times New Roman" panose="02020603050405020304" pitchFamily="18" charset="0"/>
+            </a:endParaRPr>
+          </a:p>
+          <a:p>
+            <a:pPr fontAlgn="base">
+              <a:lnSpc>
+                <a:spcPct val="150000"/>
+              </a:lnSpc>
+            </a:pPr>
+            <a:endParaRPr lang="ru-RU" sz="2000" cap="all" dirty="0">
+              <a:latin typeface="Times New Roman" panose="02020603050405020304" pitchFamily="18" charset="0"/>
+              <a:ea typeface="+mj-ea"/>
+              <a:cs typeface="Times New Roman" panose="02020603050405020304" pitchFamily="18" charset="0"/>
+            </a:endParaRPr>
           </a:p>
           <a:p>
             <a:pPr fontAlgn="base">
@@ -14485,7 +14037,7 @@
               <a:buChar char="-"/>
             </a:pPr>
             <a:r>
-              <a:rPr lang="ru-RU" cap="all" dirty="0">
+              <a:rPr lang="ru-RU" sz="2000" cap="all" dirty="0">
                 <a:latin typeface="Times New Roman" panose="02020603050405020304" pitchFamily="18" charset="0"/>
                 <a:ea typeface="+mj-ea"/>
                 <a:cs typeface="Times New Roman" panose="02020603050405020304" pitchFamily="18" charset="0"/>
@@ -14502,14 +14054,14 @@
               <a:buChar char="-"/>
             </a:pPr>
             <a:r>
-              <a:rPr lang="ru-RU" cap="all" dirty="0">
+              <a:rPr lang="ru-RU" sz="2000" cap="all" dirty="0">
                 <a:latin typeface="Times New Roman" panose="02020603050405020304" pitchFamily="18" charset="0"/>
                 <a:ea typeface="+mj-ea"/>
                 <a:cs typeface="Times New Roman" panose="02020603050405020304" pitchFamily="18" charset="0"/>
               </a:rPr>
-              <a:t>метод эквивалентного разделения</a:t>
-            </a:r>
-            <a:endParaRPr lang="en-US" cap="all" dirty="0">
+              <a:t>эквивалентное разделение</a:t>
+            </a:r>
+            <a:endParaRPr lang="en-US" sz="2000" cap="all" dirty="0">
               <a:latin typeface="Times New Roman" panose="02020603050405020304" pitchFamily="18" charset="0"/>
               <a:ea typeface="+mj-ea"/>
               <a:cs typeface="Times New Roman" panose="02020603050405020304" pitchFamily="18" charset="0"/>
@@ -14524,84 +14076,16 @@
               <a:buChar char="-"/>
             </a:pPr>
             <a:r>
-              <a:rPr lang="en-US" cap="all" dirty="0">
-                <a:latin typeface="Times New Roman" panose="02020603050405020304" pitchFamily="18" charset="0"/>
-                <a:ea typeface="+mj-ea"/>
-                <a:cs typeface="Times New Roman" panose="02020603050405020304" pitchFamily="18" charset="0"/>
-              </a:rPr>
-              <a:t>Cause / effect (</a:t>
-            </a:r>
-            <a:r>
-              <a:rPr lang="ru-RU" cap="all" dirty="0">
+              <a:rPr lang="ru-RU" sz="2000" cap="all" dirty="0">
                 <a:latin typeface="Times New Roman" panose="02020603050405020304" pitchFamily="18" charset="0"/>
                 <a:ea typeface="+mj-ea"/>
                 <a:cs typeface="Times New Roman" panose="02020603050405020304" pitchFamily="18" charset="0"/>
               </a:rPr>
               <a:t>Причина / следствие</a:t>
             </a:r>
-            <a:r>
-              <a:rPr lang="en-US" cap="all" dirty="0">
-                <a:latin typeface="Times New Roman" panose="02020603050405020304" pitchFamily="18" charset="0"/>
-                <a:ea typeface="+mj-ea"/>
-                <a:cs typeface="Times New Roman" panose="02020603050405020304" pitchFamily="18" charset="0"/>
-              </a:rPr>
-              <a:t>)</a:t>
-            </a:r>
-            <a:endParaRPr lang="ru-RU" cap="all" dirty="0">
-              <a:latin typeface="Times New Roman" panose="02020603050405020304" pitchFamily="18" charset="0"/>
-              <a:ea typeface="+mj-ea"/>
-              <a:cs typeface="Times New Roman" panose="02020603050405020304" pitchFamily="18" charset="0"/>
-            </a:endParaRPr>
           </a:p>
         </p:txBody>
       </p:sp>
-      <p:pic>
-        <p:nvPicPr>
-          <p:cNvPr id="3" name="Рисунок 2">
-            <a:extLst>
-              <a:ext uri="{FF2B5EF4-FFF2-40B4-BE49-F238E27FC236}">
-                <a16:creationId xmlns:a16="http://schemas.microsoft.com/office/drawing/2014/main" id="{1E870D86-9393-46CF-9ED4-05B85B4FC588}"/>
-              </a:ext>
-            </a:extLst>
-          </p:cNvPr>
-          <p:cNvPicPr>
-            <a:picLocks noChangeAspect="1"/>
-          </p:cNvPicPr>
-          <p:nvPr/>
-        </p:nvPicPr>
-        <p:blipFill>
-          <a:blip r:embed="rId2"/>
-          <a:stretch>
-            <a:fillRect/>
-          </a:stretch>
-        </p:blipFill>
-        <p:spPr>
-          <a:xfrm>
-            <a:off x="7822604" y="3134836"/>
-            <a:ext cx="4048690" cy="1895740"/>
-          </a:xfrm>
-          <a:prstGeom prst="roundRect">
-            <a:avLst>
-              <a:gd name="adj" fmla="val 0"/>
-            </a:avLst>
-          </a:prstGeom>
-          <a:ln/>
-        </p:spPr>
-        <p:style>
-          <a:lnRef idx="2">
-            <a:schemeClr val="dk1"/>
-          </a:lnRef>
-          <a:fillRef idx="1">
-            <a:schemeClr val="lt1"/>
-          </a:fillRef>
-          <a:effectRef idx="0">
-            <a:schemeClr val="dk1"/>
-          </a:effectRef>
-          <a:fontRef idx="minor">
-            <a:schemeClr val="dk1"/>
-          </a:fontRef>
-        </p:style>
-      </p:pic>
       <p:sp>
         <p:nvSpPr>
           <p:cNvPr id="4" name="Заголовок 1">
@@ -14696,6 +14180,47 @@
           </a:p>
         </p:txBody>
       </p:sp>
+      <p:pic>
+        <p:nvPicPr>
+          <p:cNvPr id="6" name="Рисунок 5">
+            <a:extLst>
+              <a:ext uri="{FF2B5EF4-FFF2-40B4-BE49-F238E27FC236}">
+                <a16:creationId xmlns:a16="http://schemas.microsoft.com/office/drawing/2014/main" id="{6CBFEBDF-3FD6-4DFA-9B8D-CE35F4259260}"/>
+              </a:ext>
+            </a:extLst>
+          </p:cNvPr>
+          <p:cNvPicPr>
+            <a:picLocks noChangeAspect="1"/>
+          </p:cNvPicPr>
+          <p:nvPr/>
+        </p:nvPicPr>
+        <p:blipFill>
+          <a:blip r:embed="rId2">
+            <a:extLst>
+              <a:ext uri="{28A0092B-C50C-407E-A947-70E740481C1C}">
+                <a14:useLocalDpi xmlns:a14="http://schemas.microsoft.com/office/drawing/2010/main" val="0"/>
+              </a:ext>
+            </a:extLst>
+          </a:blip>
+          <a:srcRect/>
+          <a:stretch>
+            <a:fillRect/>
+          </a:stretch>
+        </p:blipFill>
+        <p:spPr bwMode="auto">
+          <a:xfrm>
+            <a:off x="6773866" y="1315807"/>
+            <a:ext cx="4209745" cy="4284314"/>
+          </a:xfrm>
+          <a:prstGeom prst="rect">
+            <a:avLst/>
+          </a:prstGeom>
+          <a:noFill/>
+          <a:ln>
+            <a:noFill/>
+          </a:ln>
+        </p:spPr>
+      </p:pic>
     </p:spTree>
     <p:extLst>
       <p:ext uri="{BB962C8B-B14F-4D97-AF65-F5344CB8AC3E}">
@@ -15672,9 +15197,12 @@
 </file>
 
 <file path=customXml/item1.xml><?xml version="1.0" encoding="utf-8"?>
-<p:properties xmlns:p="http://schemas.microsoft.com/office/2006/metadata/properties" xmlns:xsi="http://www.w3.org/2001/XMLSchema-instance" xmlns:pc="http://schemas.microsoft.com/office/infopath/2007/PartnerControls">
-  <documentManagement/>
-</p:properties>
+<?mso-contentType ?>
+<FormTemplates xmlns="http://schemas.microsoft.com/sharepoint/v3/contenttype/forms">
+  <Display>DocumentLibraryForm</Display>
+  <Edit>DocumentLibraryForm</Edit>
+  <New>DocumentLibraryForm</New>
+</FormTemplates>
 </file>
 
 <file path=customXml/item2.xml><?xml version="1.0" encoding="utf-8"?>
@@ -15792,25 +15320,15 @@
 </file>
 
 <file path=customXml/item3.xml><?xml version="1.0" encoding="utf-8"?>
-<?mso-contentType ?>
-<FormTemplates xmlns="http://schemas.microsoft.com/sharepoint/v3/contenttype/forms">
-  <Display>DocumentLibraryForm</Display>
-  <Edit>DocumentLibraryForm</Edit>
-  <New>DocumentLibraryForm</New>
-</FormTemplates>
+<p:properties xmlns:p="http://schemas.microsoft.com/office/2006/metadata/properties" xmlns:xsi="http://www.w3.org/2001/XMLSchema-instance" xmlns:pc="http://schemas.microsoft.com/office/infopath/2007/PartnerControls">
+  <documentManagement/>
+</p:properties>
 </file>
 
 <file path=customXml/itemProps1.xml><?xml version="1.0" encoding="utf-8"?>
-<ds:datastoreItem xmlns:ds="http://schemas.openxmlformats.org/officeDocument/2006/customXml" ds:itemID="{60C67BEE-D13F-4BD2-98A5-34D8A0977F68}">
+<ds:datastoreItem xmlns:ds="http://schemas.openxmlformats.org/officeDocument/2006/customXml" ds:itemID="{3B0829B6-FBD4-4F74-8D84-4BFAD9A94F02}">
   <ds:schemaRefs>
-    <ds:schemaRef ds:uri="http://schemas.microsoft.com/office/2006/metadata/properties"/>
-    <ds:schemaRef ds:uri="http://purl.org/dc/dcmitype/"/>
-    <ds:schemaRef ds:uri="http://schemas.microsoft.com/office/2006/documentManagement/types"/>
-    <ds:schemaRef ds:uri="http://purl.org/dc/terms/"/>
-    <ds:schemaRef ds:uri="http://purl.org/dc/elements/1.1/"/>
-    <ds:schemaRef ds:uri="http://schemas.microsoft.com/office/infopath/2007/PartnerControls"/>
-    <ds:schemaRef ds:uri="http://schemas.openxmlformats.org/package/2006/metadata/core-properties"/>
-    <ds:schemaRef ds:uri="http://www.w3.org/XML/1998/namespace"/>
+    <ds:schemaRef ds:uri="http://schemas.microsoft.com/sharepoint/v3/contenttype/forms"/>
   </ds:schemaRefs>
 </ds:datastoreItem>
 </file>
@@ -15832,9 +15350,16 @@
 </file>
 
 <file path=customXml/itemProps3.xml><?xml version="1.0" encoding="utf-8"?>
-<ds:datastoreItem xmlns:ds="http://schemas.openxmlformats.org/officeDocument/2006/customXml" ds:itemID="{3B0829B6-FBD4-4F74-8D84-4BFAD9A94F02}">
+<ds:datastoreItem xmlns:ds="http://schemas.openxmlformats.org/officeDocument/2006/customXml" ds:itemID="{60C67BEE-D13F-4BD2-98A5-34D8A0977F68}">
   <ds:schemaRefs>
-    <ds:schemaRef ds:uri="http://schemas.microsoft.com/sharepoint/v3/contenttype/forms"/>
+    <ds:schemaRef ds:uri="http://schemas.microsoft.com/office/2006/metadata/properties"/>
+    <ds:schemaRef ds:uri="http://purl.org/dc/dcmitype/"/>
+    <ds:schemaRef ds:uri="http://schemas.microsoft.com/office/2006/documentManagement/types"/>
+    <ds:schemaRef ds:uri="http://purl.org/dc/terms/"/>
+    <ds:schemaRef ds:uri="http://purl.org/dc/elements/1.1/"/>
+    <ds:schemaRef ds:uri="http://schemas.microsoft.com/office/infopath/2007/PartnerControls"/>
+    <ds:schemaRef ds:uri="http://schemas.openxmlformats.org/package/2006/metadata/core-properties"/>
+    <ds:schemaRef ds:uri="http://www.w3.org/XML/1998/namespace"/>
   </ds:schemaRefs>
 </ds:datastoreItem>
 </file>